--- a/301-자바스크립트 시작하기/301-2.개발환경.pptx
+++ b/301-자바스크립트 시작하기/301-2.개발환경.pptx
@@ -124,6 +124,11 @@
       </a:defRPr>
     </a:lvl9pPr>
   </p:defaultTextStyle>
+  <p:extLst>
+    <p:ext uri="{EFAFB233-063F-42B5-8137-9DF3F51BA10A}">
+      <p15:sldGuideLst xmlns:p15="http://schemas.microsoft.com/office/powerpoint/2012/main"/>
+    </p:ext>
+  </p:extLst>
 </p:presentation>
 </file>
 
@@ -209,7 +214,7 @@
           <a:p>
             <a:fld id="{31BDA9FC-615C-467C-87BD-32572F8EEFFA}" type="datetimeFigureOut">
               <a:rPr lang="ko-KR" altLang="en-US" smtClean="0"/>
-              <a:t>2023-05-20</a:t>
+              <a:t>2023-05-22</a:t>
             </a:fld>
             <a:endParaRPr lang="ko-KR" altLang="en-US"/>
           </a:p>
@@ -1127,7 +1132,7 @@
           <a:p>
             <a:fld id="{B63C6A0A-19CA-47BD-BAC2-F76B44071487}" type="datetimeFigureOut">
               <a:rPr lang="ko-KR" altLang="en-US" smtClean="0"/>
-              <a:t>2023-05-20</a:t>
+              <a:t>2023-05-22</a:t>
             </a:fld>
             <a:endParaRPr lang="ko-KR" altLang="en-US"/>
           </a:p>
@@ -1325,7 +1330,7 @@
           <a:p>
             <a:fld id="{B63C6A0A-19CA-47BD-BAC2-F76B44071487}" type="datetimeFigureOut">
               <a:rPr lang="ko-KR" altLang="en-US" smtClean="0"/>
-              <a:t>2023-05-20</a:t>
+              <a:t>2023-05-22</a:t>
             </a:fld>
             <a:endParaRPr lang="ko-KR" altLang="en-US"/>
           </a:p>
@@ -1533,7 +1538,7 @@
           <a:p>
             <a:fld id="{B63C6A0A-19CA-47BD-BAC2-F76B44071487}" type="datetimeFigureOut">
               <a:rPr lang="ko-KR" altLang="en-US" smtClean="0"/>
-              <a:t>2023-05-20</a:t>
+              <a:t>2023-05-22</a:t>
             </a:fld>
             <a:endParaRPr lang="ko-KR" altLang="en-US"/>
           </a:p>
@@ -1731,7 +1736,7 @@
           <a:p>
             <a:fld id="{B63C6A0A-19CA-47BD-BAC2-F76B44071487}" type="datetimeFigureOut">
               <a:rPr lang="ko-KR" altLang="en-US" smtClean="0"/>
-              <a:t>2023-05-20</a:t>
+              <a:t>2023-05-22</a:t>
             </a:fld>
             <a:endParaRPr lang="ko-KR" altLang="en-US"/>
           </a:p>
@@ -2006,7 +2011,7 @@
           <a:p>
             <a:fld id="{B63C6A0A-19CA-47BD-BAC2-F76B44071487}" type="datetimeFigureOut">
               <a:rPr lang="ko-KR" altLang="en-US" smtClean="0"/>
-              <a:t>2023-05-20</a:t>
+              <a:t>2023-05-22</a:t>
             </a:fld>
             <a:endParaRPr lang="ko-KR" altLang="en-US"/>
           </a:p>
@@ -2271,7 +2276,7 @@
           <a:p>
             <a:fld id="{B63C6A0A-19CA-47BD-BAC2-F76B44071487}" type="datetimeFigureOut">
               <a:rPr lang="ko-KR" altLang="en-US" smtClean="0"/>
-              <a:t>2023-05-20</a:t>
+              <a:t>2023-05-22</a:t>
             </a:fld>
             <a:endParaRPr lang="ko-KR" altLang="en-US"/>
           </a:p>
@@ -2683,7 +2688,7 @@
           <a:p>
             <a:fld id="{B63C6A0A-19CA-47BD-BAC2-F76B44071487}" type="datetimeFigureOut">
               <a:rPr lang="ko-KR" altLang="en-US" smtClean="0"/>
-              <a:t>2023-05-20</a:t>
+              <a:t>2023-05-22</a:t>
             </a:fld>
             <a:endParaRPr lang="ko-KR" altLang="en-US"/>
           </a:p>
@@ -2824,7 +2829,7 @@
           <a:p>
             <a:fld id="{B63C6A0A-19CA-47BD-BAC2-F76B44071487}" type="datetimeFigureOut">
               <a:rPr lang="ko-KR" altLang="en-US" smtClean="0"/>
-              <a:t>2023-05-20</a:t>
+              <a:t>2023-05-22</a:t>
             </a:fld>
             <a:endParaRPr lang="ko-KR" altLang="en-US"/>
           </a:p>
@@ -2937,7 +2942,7 @@
           <a:p>
             <a:fld id="{B63C6A0A-19CA-47BD-BAC2-F76B44071487}" type="datetimeFigureOut">
               <a:rPr lang="ko-KR" altLang="en-US" smtClean="0"/>
-              <a:t>2023-05-20</a:t>
+              <a:t>2023-05-22</a:t>
             </a:fld>
             <a:endParaRPr lang="ko-KR" altLang="en-US"/>
           </a:p>
@@ -3248,7 +3253,7 @@
           <a:p>
             <a:fld id="{B63C6A0A-19CA-47BD-BAC2-F76B44071487}" type="datetimeFigureOut">
               <a:rPr lang="ko-KR" altLang="en-US" smtClean="0"/>
-              <a:t>2023-05-20</a:t>
+              <a:t>2023-05-22</a:t>
             </a:fld>
             <a:endParaRPr lang="ko-KR" altLang="en-US"/>
           </a:p>
@@ -3536,7 +3541,7 @@
           <a:p>
             <a:fld id="{B63C6A0A-19CA-47BD-BAC2-F76B44071487}" type="datetimeFigureOut">
               <a:rPr lang="ko-KR" altLang="en-US" smtClean="0"/>
-              <a:t>2023-05-20</a:t>
+              <a:t>2023-05-22</a:t>
             </a:fld>
             <a:endParaRPr lang="ko-KR" altLang="en-US"/>
           </a:p>
@@ -3777,7 +3782,7 @@
           <a:p>
             <a:fld id="{B63C6A0A-19CA-47BD-BAC2-F76B44071487}" type="datetimeFigureOut">
               <a:rPr lang="ko-KR" altLang="en-US" smtClean="0"/>
-              <a:t>2023-05-20</a:t>
+              <a:t>2023-05-22</a:t>
             </a:fld>
             <a:endParaRPr lang="ko-KR" altLang="en-US"/>
           </a:p>
@@ -5442,7 +5447,7 @@
         </p:blipFill>
         <p:spPr>
           <a:xfrm>
-            <a:off x="896612" y="3660923"/>
+            <a:off x="515612" y="3328909"/>
             <a:ext cx="3944737" cy="2243355"/>
           </a:xfrm>
           <a:prstGeom prst="rect">
@@ -5464,7 +5469,7 @@
         </p:nvSpPr>
         <p:spPr>
           <a:xfrm>
-            <a:off x="838199" y="1571761"/>
+            <a:off x="457199" y="1239747"/>
             <a:ext cx="7383088" cy="1625317"/>
           </a:xfrm>
           <a:prstGeom prst="rect">
@@ -5748,7 +5753,7 @@
         </p:nvSpPr>
         <p:spPr>
           <a:xfrm>
-            <a:off x="1047402" y="5182331"/>
+            <a:off x="666402" y="4850317"/>
             <a:ext cx="1770613" cy="254194"/>
           </a:xfrm>
           <a:prstGeom prst="rect">
@@ -5837,7 +5842,7 @@
         </p:blipFill>
         <p:spPr>
           <a:xfrm>
-            <a:off x="5445889" y="3660922"/>
+            <a:off x="5064889" y="3328908"/>
             <a:ext cx="5015743" cy="2243356"/>
           </a:xfrm>
           <a:prstGeom prst="rect">
@@ -5859,7 +5864,7 @@
         </p:nvSpPr>
         <p:spPr>
           <a:xfrm>
-            <a:off x="9253997" y="4928137"/>
+            <a:off x="8872997" y="4596123"/>
             <a:ext cx="779466" cy="254194"/>
           </a:xfrm>
           <a:prstGeom prst="rect">
@@ -8402,7 +8407,7 @@
         </p:nvSpPr>
         <p:spPr>
           <a:xfrm>
-            <a:off x="3033524" y="5301208"/>
+            <a:off x="502467" y="5899923"/>
             <a:ext cx="5256584" cy="707886"/>
           </a:xfrm>
           <a:prstGeom prst="rect">
@@ -8464,8 +8469,8 @@
         </p:blipFill>
         <p:spPr>
           <a:xfrm>
-            <a:off x="3125924" y="1499555"/>
-            <a:ext cx="5940152" cy="3710725"/>
+            <a:off x="502467" y="1153190"/>
+            <a:ext cx="7286261" cy="4551620"/>
           </a:xfrm>
           <a:prstGeom prst="rect">
             <a:avLst/>
